--- a/05_Bayerische Staatsoper/Munich-Oper.pptx
+++ b/05_Bayerische Staatsoper/Munich-Oper.pptx
@@ -236,7 +236,7 @@
           <a:p>
             <a:fld id="{1E980196-448A-481A-8A1B-A58FF56D8844}" type="datetimeFigureOut">
               <a:rPr lang="en-US" smtClean="0"/>
-              <a:t>12/28/2022</a:t>
+              <a:t>12/30/2022</a:t>
             </a:fld>
             <a:endParaRPr lang="en-US"/>
           </a:p>
@@ -635,7 +635,7 @@
           <a:p>
             <a:fld id="{F63CEDD3-0525-4453-AC94-ABA547278219}" type="datetimeFigureOut">
               <a:rPr lang="en-US" smtClean="0"/>
-              <a:t>12/28/2022</a:t>
+              <a:t>12/30/2022</a:t>
             </a:fld>
             <a:endParaRPr lang="en-US"/>
           </a:p>
@@ -805,7 +805,7 @@
           <a:p>
             <a:fld id="{F63CEDD3-0525-4453-AC94-ABA547278219}" type="datetimeFigureOut">
               <a:rPr lang="en-US" smtClean="0"/>
-              <a:t>12/28/2022</a:t>
+              <a:t>12/30/2022</a:t>
             </a:fld>
             <a:endParaRPr lang="en-US"/>
           </a:p>
@@ -985,7 +985,7 @@
           <a:p>
             <a:fld id="{F63CEDD3-0525-4453-AC94-ABA547278219}" type="datetimeFigureOut">
               <a:rPr lang="en-US" smtClean="0"/>
-              <a:t>12/28/2022</a:t>
+              <a:t>12/30/2022</a:t>
             </a:fld>
             <a:endParaRPr lang="en-US"/>
           </a:p>
@@ -1155,7 +1155,7 @@
           <a:p>
             <a:fld id="{F63CEDD3-0525-4453-AC94-ABA547278219}" type="datetimeFigureOut">
               <a:rPr lang="en-US" smtClean="0"/>
-              <a:t>12/28/2022</a:t>
+              <a:t>12/30/2022</a:t>
             </a:fld>
             <a:endParaRPr lang="en-US"/>
           </a:p>
@@ -1399,7 +1399,7 @@
           <a:p>
             <a:fld id="{F63CEDD3-0525-4453-AC94-ABA547278219}" type="datetimeFigureOut">
               <a:rPr lang="en-US" smtClean="0"/>
-              <a:t>12/28/2022</a:t>
+              <a:t>12/30/2022</a:t>
             </a:fld>
             <a:endParaRPr lang="en-US"/>
           </a:p>
@@ -1631,7 +1631,7 @@
           <a:p>
             <a:fld id="{F63CEDD3-0525-4453-AC94-ABA547278219}" type="datetimeFigureOut">
               <a:rPr lang="en-US" smtClean="0"/>
-              <a:t>12/28/2022</a:t>
+              <a:t>12/30/2022</a:t>
             </a:fld>
             <a:endParaRPr lang="en-US"/>
           </a:p>
@@ -1998,7 +1998,7 @@
           <a:p>
             <a:fld id="{F63CEDD3-0525-4453-AC94-ABA547278219}" type="datetimeFigureOut">
               <a:rPr lang="en-US" smtClean="0"/>
-              <a:t>12/28/2022</a:t>
+              <a:t>12/30/2022</a:t>
             </a:fld>
             <a:endParaRPr lang="en-US"/>
           </a:p>
@@ -2116,7 +2116,7 @@
           <a:p>
             <a:fld id="{F63CEDD3-0525-4453-AC94-ABA547278219}" type="datetimeFigureOut">
               <a:rPr lang="en-US" smtClean="0"/>
-              <a:t>12/28/2022</a:t>
+              <a:t>12/30/2022</a:t>
             </a:fld>
             <a:endParaRPr lang="en-US"/>
           </a:p>
@@ -2211,7 +2211,7 @@
           <a:p>
             <a:fld id="{F63CEDD3-0525-4453-AC94-ABA547278219}" type="datetimeFigureOut">
               <a:rPr lang="en-US" smtClean="0"/>
-              <a:t>12/28/2022</a:t>
+              <a:t>12/30/2022</a:t>
             </a:fld>
             <a:endParaRPr lang="en-US"/>
           </a:p>
@@ -2488,7 +2488,7 @@
           <a:p>
             <a:fld id="{F63CEDD3-0525-4453-AC94-ABA547278219}" type="datetimeFigureOut">
               <a:rPr lang="en-US" smtClean="0"/>
-              <a:t>12/28/2022</a:t>
+              <a:t>12/30/2022</a:t>
             </a:fld>
             <a:endParaRPr lang="en-US"/>
           </a:p>
@@ -2745,7 +2745,7 @@
           <a:p>
             <a:fld id="{F63CEDD3-0525-4453-AC94-ABA547278219}" type="datetimeFigureOut">
               <a:rPr lang="en-US" smtClean="0"/>
-              <a:t>12/28/2022</a:t>
+              <a:t>12/30/2022</a:t>
             </a:fld>
             <a:endParaRPr lang="en-US"/>
           </a:p>
@@ -2958,7 +2958,7 @@
           <a:p>
             <a:fld id="{F63CEDD3-0525-4453-AC94-ABA547278219}" type="datetimeFigureOut">
               <a:rPr lang="en-US" smtClean="0"/>
-              <a:t>12/28/2022</a:t>
+              <a:t>12/30/2022</a:t>
             </a:fld>
             <a:endParaRPr lang="en-US"/>
           </a:p>
